--- a/Documentation/Report/Project Video.pptx
+++ b/Documentation/Report/Project Video.pptx
@@ -7,8 +7,10 @@
   <p:sldIdLst>
     <p:sldId id="256" r:id="rId2"/>
     <p:sldId id="257" r:id="rId3"/>
-    <p:sldId id="258" r:id="rId4"/>
-    <p:sldId id="259" r:id="rId5"/>
+    <p:sldId id="260" r:id="rId4"/>
+    <p:sldId id="258" r:id="rId5"/>
+    <p:sldId id="259" r:id="rId6"/>
+    <p:sldId id="261" r:id="rId7"/>
   </p:sldIdLst>
   <p:sldSz cx="12192000" cy="6858000"/>
   <p:notesSz cx="6858000" cy="9144000"/>
@@ -107,6 +109,11 @@
       </a:defRPr>
     </a:lvl9pPr>
   </p:defaultTextStyle>
+  <p:extLst>
+    <p:ext uri="{EFAFB233-063F-42B5-8137-9DF3F51BA10A}">
+      <p15:sldGuideLst xmlns:p15="http://schemas.microsoft.com/office/powerpoint/2012/main"/>
+    </p:ext>
+  </p:extLst>
 </p:presentation>
 </file>
 
@@ -259,7 +266,7 @@
           <a:p>
             <a:fld id="{EDA16B91-9675-4073-BC76-56E494251DD2}" type="datetimeFigureOut">
               <a:rPr lang="en-GB" smtClean="0"/>
-              <a:t>25/04/2025</a:t>
+              <a:t>27/04/2025</a:t>
             </a:fld>
             <a:endParaRPr lang="en-GB"/>
           </a:p>
@@ -459,7 +466,7 @@
           <a:p>
             <a:fld id="{EDA16B91-9675-4073-BC76-56E494251DD2}" type="datetimeFigureOut">
               <a:rPr lang="en-GB" smtClean="0"/>
-              <a:t>25/04/2025</a:t>
+              <a:t>27/04/2025</a:t>
             </a:fld>
             <a:endParaRPr lang="en-GB"/>
           </a:p>
@@ -669,7 +676,7 @@
           <a:p>
             <a:fld id="{EDA16B91-9675-4073-BC76-56E494251DD2}" type="datetimeFigureOut">
               <a:rPr lang="en-GB" smtClean="0"/>
-              <a:t>25/04/2025</a:t>
+              <a:t>27/04/2025</a:t>
             </a:fld>
             <a:endParaRPr lang="en-GB"/>
           </a:p>
@@ -869,7 +876,7 @@
           <a:p>
             <a:fld id="{EDA16B91-9675-4073-BC76-56E494251DD2}" type="datetimeFigureOut">
               <a:rPr lang="en-GB" smtClean="0"/>
-              <a:t>25/04/2025</a:t>
+              <a:t>27/04/2025</a:t>
             </a:fld>
             <a:endParaRPr lang="en-GB"/>
           </a:p>
@@ -1145,7 +1152,7 @@
           <a:p>
             <a:fld id="{EDA16B91-9675-4073-BC76-56E494251DD2}" type="datetimeFigureOut">
               <a:rPr lang="en-GB" smtClean="0"/>
-              <a:t>25/04/2025</a:t>
+              <a:t>27/04/2025</a:t>
             </a:fld>
             <a:endParaRPr lang="en-GB"/>
           </a:p>
@@ -1413,7 +1420,7 @@
           <a:p>
             <a:fld id="{EDA16B91-9675-4073-BC76-56E494251DD2}" type="datetimeFigureOut">
               <a:rPr lang="en-GB" smtClean="0"/>
-              <a:t>25/04/2025</a:t>
+              <a:t>27/04/2025</a:t>
             </a:fld>
             <a:endParaRPr lang="en-GB"/>
           </a:p>
@@ -1828,7 +1835,7 @@
           <a:p>
             <a:fld id="{EDA16B91-9675-4073-BC76-56E494251DD2}" type="datetimeFigureOut">
               <a:rPr lang="en-GB" smtClean="0"/>
-              <a:t>25/04/2025</a:t>
+              <a:t>27/04/2025</a:t>
             </a:fld>
             <a:endParaRPr lang="en-GB"/>
           </a:p>
@@ -1970,7 +1977,7 @@
           <a:p>
             <a:fld id="{EDA16B91-9675-4073-BC76-56E494251DD2}" type="datetimeFigureOut">
               <a:rPr lang="en-GB" smtClean="0"/>
-              <a:t>25/04/2025</a:t>
+              <a:t>27/04/2025</a:t>
             </a:fld>
             <a:endParaRPr lang="en-GB"/>
           </a:p>
@@ -2083,7 +2090,7 @@
           <a:p>
             <a:fld id="{EDA16B91-9675-4073-BC76-56E494251DD2}" type="datetimeFigureOut">
               <a:rPr lang="en-GB" smtClean="0"/>
-              <a:t>25/04/2025</a:t>
+              <a:t>27/04/2025</a:t>
             </a:fld>
             <a:endParaRPr lang="en-GB"/>
           </a:p>
@@ -2396,7 +2403,7 @@
           <a:p>
             <a:fld id="{EDA16B91-9675-4073-BC76-56E494251DD2}" type="datetimeFigureOut">
               <a:rPr lang="en-GB" smtClean="0"/>
-              <a:t>25/04/2025</a:t>
+              <a:t>27/04/2025</a:t>
             </a:fld>
             <a:endParaRPr lang="en-GB"/>
           </a:p>
@@ -2685,7 +2692,7 @@
           <a:p>
             <a:fld id="{EDA16B91-9675-4073-BC76-56E494251DD2}" type="datetimeFigureOut">
               <a:rPr lang="en-GB" smtClean="0"/>
-              <a:t>25/04/2025</a:t>
+              <a:t>27/04/2025</a:t>
             </a:fld>
             <a:endParaRPr lang="en-GB"/>
           </a:p>
@@ -2928,7 +2935,7 @@
           <a:p>
             <a:fld id="{EDA16B91-9675-4073-BC76-56E494251DD2}" type="datetimeFigureOut">
               <a:rPr lang="en-GB" smtClean="0"/>
-              <a:t>25/04/2025</a:t>
+              <a:t>27/04/2025</a:t>
             </a:fld>
             <a:endParaRPr lang="en-GB"/>
           </a:p>
@@ -3647,7 +3654,7 @@
           <p:cNvPr id="2" name="Title 1">
             <a:extLst>
               <a:ext uri="{FF2B5EF4-FFF2-40B4-BE49-F238E27FC236}">
-                <a16:creationId xmlns:a16="http://schemas.microsoft.com/office/drawing/2014/main" id="{112E6498-32D8-A35B-FA74-3DAF4C3C59DE}"/>
+                <a16:creationId xmlns:a16="http://schemas.microsoft.com/office/drawing/2014/main" id="{942FE160-0C8F-656D-5E20-DC95B39D6B9F}"/>
               </a:ext>
             </a:extLst>
           </p:cNvPr>
@@ -3663,7 +3670,10 @@
           <a:bodyPr/>
           <a:lstStyle/>
           <a:p>
-            <a:endParaRPr lang="en-GB"/>
+            <a:r>
+              <a:rPr lang="en-GB" dirty="0"/>
+              <a:t>Run thro</a:t>
+            </a:r>
           </a:p>
         </p:txBody>
       </p:sp>
@@ -3672,7 +3682,7 @@
           <p:cNvPr id="3" name="Content Placeholder 2">
             <a:extLst>
               <a:ext uri="{FF2B5EF4-FFF2-40B4-BE49-F238E27FC236}">
-                <a16:creationId xmlns:a16="http://schemas.microsoft.com/office/drawing/2014/main" id="{590C01BB-7E5B-4E86-5D09-735974073DC3}"/>
+                <a16:creationId xmlns:a16="http://schemas.microsoft.com/office/drawing/2014/main" id="{33108EEA-1819-3638-D9F6-7F04818A622F}"/>
               </a:ext>
             </a:extLst>
           </p:cNvPr>
@@ -3688,14 +3698,17 @@
           <a:bodyPr/>
           <a:lstStyle/>
           <a:p>
-            <a:endParaRPr lang="en-GB"/>
+            <a:r>
+              <a:rPr lang="en-GB" dirty="0"/>
+              <a:t>Maybe just film thro the whole game and cut up important pieces </a:t>
+            </a:r>
           </a:p>
         </p:txBody>
       </p:sp>
     </p:spTree>
     <p:extLst>
       <p:ext uri="{BB962C8B-B14F-4D97-AF65-F5344CB8AC3E}">
-        <p14:creationId xmlns:p14="http://schemas.microsoft.com/office/powerpoint/2010/main" val="2618199178"/>
+        <p14:creationId xmlns:p14="http://schemas.microsoft.com/office/powerpoint/2010/main" val="2435004387"/>
       </p:ext>
     </p:extLst>
   </p:cSld>
@@ -3727,6 +3740,89 @@
           <p:cNvPr id="2" name="Title 1">
             <a:extLst>
               <a:ext uri="{FF2B5EF4-FFF2-40B4-BE49-F238E27FC236}">
+                <a16:creationId xmlns:a16="http://schemas.microsoft.com/office/drawing/2014/main" id="{112E6498-32D8-A35B-FA74-3DAF4C3C59DE}"/>
+              </a:ext>
+            </a:extLst>
+          </p:cNvPr>
+          <p:cNvSpPr>
+            <a:spLocks noGrp="1"/>
+          </p:cNvSpPr>
+          <p:nvPr>
+            <p:ph type="title"/>
+          </p:nvPr>
+        </p:nvSpPr>
+        <p:spPr/>
+        <p:txBody>
+          <a:bodyPr/>
+          <a:lstStyle/>
+          <a:p>
+            <a:r>
+              <a:rPr lang="en-GB" dirty="0"/>
+              <a:t>Why I made this </a:t>
+            </a:r>
+          </a:p>
+        </p:txBody>
+      </p:sp>
+      <p:sp>
+        <p:nvSpPr>
+          <p:cNvPr id="3" name="Content Placeholder 2">
+            <a:extLst>
+              <a:ext uri="{FF2B5EF4-FFF2-40B4-BE49-F238E27FC236}">
+                <a16:creationId xmlns:a16="http://schemas.microsoft.com/office/drawing/2014/main" id="{590C01BB-7E5B-4E86-5D09-735974073DC3}"/>
+              </a:ext>
+            </a:extLst>
+          </p:cNvPr>
+          <p:cNvSpPr>
+            <a:spLocks noGrp="1"/>
+          </p:cNvSpPr>
+          <p:nvPr>
+            <p:ph idx="1"/>
+          </p:nvPr>
+        </p:nvSpPr>
+        <p:spPr/>
+        <p:txBody>
+          <a:bodyPr/>
+          <a:lstStyle/>
+          <a:p>
+            <a:endParaRPr lang="en-GB"/>
+          </a:p>
+        </p:txBody>
+      </p:sp>
+    </p:spTree>
+    <p:extLst>
+      <p:ext uri="{BB962C8B-B14F-4D97-AF65-F5344CB8AC3E}">
+        <p14:creationId xmlns:p14="http://schemas.microsoft.com/office/powerpoint/2010/main" val="2618199178"/>
+      </p:ext>
+    </p:extLst>
+  </p:cSld>
+  <p:clrMapOvr>
+    <a:masterClrMapping/>
+  </p:clrMapOvr>
+</p:sld>
+</file>
+
+<file path=ppt/slides/slide5.xml><?xml version="1.0" encoding="utf-8"?>
+<p:sld xmlns:a="http://schemas.openxmlformats.org/drawingml/2006/main" xmlns:r="http://schemas.openxmlformats.org/officeDocument/2006/relationships" xmlns:p="http://schemas.openxmlformats.org/presentationml/2006/main">
+  <p:cSld>
+    <p:spTree>
+      <p:nvGrpSpPr>
+        <p:cNvPr id="1" name=""/>
+        <p:cNvGrpSpPr/>
+        <p:nvPr/>
+      </p:nvGrpSpPr>
+      <p:grpSpPr>
+        <a:xfrm>
+          <a:off x="0" y="0"/>
+          <a:ext cx="0" cy="0"/>
+          <a:chOff x="0" y="0"/>
+          <a:chExt cx="0" cy="0"/>
+        </a:xfrm>
+      </p:grpSpPr>
+      <p:sp>
+        <p:nvSpPr>
+          <p:cNvPr id="2" name="Title 1">
+            <a:extLst>
+              <a:ext uri="{FF2B5EF4-FFF2-40B4-BE49-F238E27FC236}">
                 <a16:creationId xmlns:a16="http://schemas.microsoft.com/office/drawing/2014/main" id="{B634E806-0DF7-44B3-D5C0-6298CD5E71A9}"/>
               </a:ext>
             </a:extLst>
@@ -3743,7 +3839,10 @@
           <a:bodyPr/>
           <a:lstStyle/>
           <a:p>
-            <a:endParaRPr lang="en-GB"/>
+            <a:r>
+              <a:rPr lang="en-GB" dirty="0"/>
+              <a:t>What is unique </a:t>
+            </a:r>
           </a:p>
         </p:txBody>
       </p:sp>
@@ -3768,7 +3867,20 @@
           <a:bodyPr/>
           <a:lstStyle/>
           <a:p>
-            <a:endParaRPr lang="en-GB"/>
+            <a:r>
+              <a:rPr lang="en-GB" dirty="0" err="1"/>
+              <a:t>Wavemanager</a:t>
+            </a:r>
+            <a:r>
+              <a:rPr lang="en-GB" dirty="0"/>
+              <a:t> system where u can drop and drag</a:t>
+            </a:r>
+          </a:p>
+          <a:p>
+            <a:r>
+              <a:rPr lang="en-GB" dirty="0"/>
+              <a:t>How easy it is now to make new levels </a:t>
+            </a:r>
           </a:p>
         </p:txBody>
       </p:sp>
@@ -3776,6 +3888,92 @@
     <p:extLst>
       <p:ext uri="{BB962C8B-B14F-4D97-AF65-F5344CB8AC3E}">
         <p14:creationId xmlns:p14="http://schemas.microsoft.com/office/powerpoint/2010/main" val="3286834933"/>
+      </p:ext>
+    </p:extLst>
+  </p:cSld>
+  <p:clrMapOvr>
+    <a:masterClrMapping/>
+  </p:clrMapOvr>
+</p:sld>
+</file>
+
+<file path=ppt/slides/slide6.xml><?xml version="1.0" encoding="utf-8"?>
+<p:sld xmlns:a="http://schemas.openxmlformats.org/drawingml/2006/main" xmlns:r="http://schemas.openxmlformats.org/officeDocument/2006/relationships" xmlns:p="http://schemas.openxmlformats.org/presentationml/2006/main">
+  <p:cSld>
+    <p:spTree>
+      <p:nvGrpSpPr>
+        <p:cNvPr id="1" name=""/>
+        <p:cNvGrpSpPr/>
+        <p:nvPr/>
+      </p:nvGrpSpPr>
+      <p:grpSpPr>
+        <a:xfrm>
+          <a:off x="0" y="0"/>
+          <a:ext cx="0" cy="0"/>
+          <a:chOff x="0" y="0"/>
+          <a:chExt cx="0" cy="0"/>
+        </a:xfrm>
+      </p:grpSpPr>
+      <p:sp>
+        <p:nvSpPr>
+          <p:cNvPr id="2" name="Title 1">
+            <a:extLst>
+              <a:ext uri="{FF2B5EF4-FFF2-40B4-BE49-F238E27FC236}">
+                <a16:creationId xmlns:a16="http://schemas.microsoft.com/office/drawing/2014/main" id="{2E1D1613-760C-50D5-EAA4-77E724FE4482}"/>
+              </a:ext>
+            </a:extLst>
+          </p:cNvPr>
+          <p:cNvSpPr>
+            <a:spLocks noGrp="1"/>
+          </p:cNvSpPr>
+          <p:nvPr>
+            <p:ph type="title"/>
+          </p:nvPr>
+        </p:nvSpPr>
+        <p:spPr/>
+        <p:txBody>
+          <a:bodyPr/>
+          <a:lstStyle/>
+          <a:p>
+            <a:r>
+              <a:rPr lang="en-GB" dirty="0"/>
+              <a:t>Who will like this </a:t>
+            </a:r>
+          </a:p>
+        </p:txBody>
+      </p:sp>
+      <p:sp>
+        <p:nvSpPr>
+          <p:cNvPr id="3" name="Content Placeholder 2">
+            <a:extLst>
+              <a:ext uri="{FF2B5EF4-FFF2-40B4-BE49-F238E27FC236}">
+                <a16:creationId xmlns:a16="http://schemas.microsoft.com/office/drawing/2014/main" id="{5A9B0698-FE2C-0906-B412-E84B4D19F42E}"/>
+              </a:ext>
+            </a:extLst>
+          </p:cNvPr>
+          <p:cNvSpPr>
+            <a:spLocks noGrp="1"/>
+          </p:cNvSpPr>
+          <p:nvPr>
+            <p:ph idx="1"/>
+          </p:nvPr>
+        </p:nvSpPr>
+        <p:spPr/>
+        <p:txBody>
+          <a:bodyPr/>
+          <a:lstStyle/>
+          <a:p>
+            <a:r>
+              <a:rPr lang="en-GB" dirty="0"/>
+              <a:t>Category of people </a:t>
+            </a:r>
+          </a:p>
+        </p:txBody>
+      </p:sp>
+    </p:spTree>
+    <p:extLst>
+      <p:ext uri="{BB962C8B-B14F-4D97-AF65-F5344CB8AC3E}">
+        <p14:creationId xmlns:p14="http://schemas.microsoft.com/office/powerpoint/2010/main" val="169012990"/>
       </p:ext>
     </p:extLst>
   </p:cSld>

--- a/Documentation/Report/Project Video.pptx
+++ b/Documentation/Report/Project Video.pptx
@@ -6,11 +6,12 @@
   </p:sldMasterIdLst>
   <p:sldIdLst>
     <p:sldId id="256" r:id="rId2"/>
-    <p:sldId id="257" r:id="rId3"/>
-    <p:sldId id="260" r:id="rId4"/>
-    <p:sldId id="258" r:id="rId5"/>
-    <p:sldId id="259" r:id="rId6"/>
-    <p:sldId id="261" r:id="rId7"/>
+    <p:sldId id="262" r:id="rId3"/>
+    <p:sldId id="257" r:id="rId4"/>
+    <p:sldId id="260" r:id="rId5"/>
+    <p:sldId id="258" r:id="rId6"/>
+    <p:sldId id="259" r:id="rId7"/>
+    <p:sldId id="261" r:id="rId8"/>
   </p:sldIdLst>
   <p:sldSz cx="12192000" cy="6858000"/>
   <p:notesSz cx="6858000" cy="9144000"/>
@@ -3448,7 +3449,7 @@
           <p:cNvPr id="2" name="Title 1">
             <a:extLst>
               <a:ext uri="{FF2B5EF4-FFF2-40B4-BE49-F238E27FC236}">
-                <a16:creationId xmlns:a16="http://schemas.microsoft.com/office/drawing/2014/main" id="{DF09D088-ADAE-7D75-DF88-F6A31224D48E}"/>
+                <a16:creationId xmlns:a16="http://schemas.microsoft.com/office/drawing/2014/main" id="{5445AAB2-AA40-83EF-F223-2CC5648684C2}"/>
               </a:ext>
             </a:extLst>
           </p:cNvPr>
@@ -3473,7 +3474,7 @@
           <p:cNvPr id="3" name="Content Placeholder 2">
             <a:extLst>
               <a:ext uri="{FF2B5EF4-FFF2-40B4-BE49-F238E27FC236}">
-                <a16:creationId xmlns:a16="http://schemas.microsoft.com/office/drawing/2014/main" id="{9D611A6A-3B09-9EFF-D6BB-2405B9E94BF9}"/>
+                <a16:creationId xmlns:a16="http://schemas.microsoft.com/office/drawing/2014/main" id="{DE461556-1C2A-4CED-8D82-D9AB39B74125}"/>
               </a:ext>
             </a:extLst>
           </p:cNvPr>
@@ -3489,140 +3490,44 @@
           <a:bodyPr/>
           <a:lstStyle/>
           <a:p>
-            <a:pPr>
-              <a:lnSpc>
-                <a:spcPct val="115000"/>
-              </a:lnSpc>
-              <a:buNone/>
-            </a:pPr>
-            <a:r>
-              <a:rPr lang="en-GB" sz="1800" dirty="0">
-                <a:effectLst/>
-                <a:latin typeface="Arial" panose="020B0604020202020204" pitchFamily="34" charset="0"/>
-                <a:ea typeface="Arial" panose="020B0604020202020204" pitchFamily="34" charset="0"/>
-              </a:rPr>
-              <a:t> </a:t>
-            </a:r>
-          </a:p>
-          <a:p>
-            <a:pPr>
-              <a:lnSpc>
-                <a:spcPct val="115000"/>
-              </a:lnSpc>
-              <a:buNone/>
-            </a:pPr>
-            <a:r>
-              <a:rPr lang="en-GB" sz="1800" dirty="0">
-                <a:effectLst/>
-                <a:latin typeface="Arial" panose="020B0604020202020204" pitchFamily="34" charset="0"/>
-                <a:ea typeface="Arial" panose="020B0604020202020204" pitchFamily="34" charset="0"/>
-              </a:rPr>
-              <a:t>1.  The background to your project.  Explain to the viewer the context so they understand what you were aiming to achieve. Consider the following questions to help elaborate the background:</a:t>
-            </a:r>
-          </a:p>
-          <a:p>
-            <a:pPr marL="342900" lvl="0" indent="-342900">
-              <a:lnSpc>
-                <a:spcPct val="115000"/>
-              </a:lnSpc>
-              <a:buSzPts val="1000"/>
-              <a:buFont typeface="Symbol" panose="05050102010706020507" pitchFamily="18" charset="2"/>
-              <a:buChar char=""/>
-              <a:tabLst>
-                <a:tab pos="457200" algn="l"/>
-              </a:tabLst>
-            </a:pPr>
-            <a:r>
-              <a:rPr lang="en-GB" sz="1800" dirty="0">
-                <a:effectLst/>
-                <a:latin typeface="Arial" panose="020B0604020202020204" pitchFamily="34" charset="0"/>
-                <a:ea typeface="Arial" panose="020B0604020202020204" pitchFamily="34" charset="0"/>
-              </a:rPr>
-              <a:t>Why were you looking at this?</a:t>
-            </a:r>
-          </a:p>
-          <a:p>
-            <a:pPr marL="342900" lvl="0" indent="-342900">
-              <a:lnSpc>
-                <a:spcPct val="115000"/>
-              </a:lnSpc>
-              <a:buSzPts val="1000"/>
-              <a:buFont typeface="Symbol" panose="05050102010706020507" pitchFamily="18" charset="2"/>
-              <a:buChar char=""/>
-              <a:tabLst>
-                <a:tab pos="457200" algn="l"/>
-              </a:tabLst>
-            </a:pPr>
-            <a:r>
-              <a:rPr lang="en-GB" sz="1800" dirty="0">
-                <a:effectLst/>
-                <a:latin typeface="Arial" panose="020B0604020202020204" pitchFamily="34" charset="0"/>
-                <a:ea typeface="Arial" panose="020B0604020202020204" pitchFamily="34" charset="0"/>
-              </a:rPr>
-              <a:t>What were the issues that needed solving with software?</a:t>
-            </a:r>
-          </a:p>
-          <a:p>
-            <a:pPr marL="342900" lvl="0" indent="-342900">
-              <a:lnSpc>
-                <a:spcPct val="115000"/>
-              </a:lnSpc>
-              <a:buSzPts val="1000"/>
-              <a:buFont typeface="Symbol" panose="05050102010706020507" pitchFamily="18" charset="2"/>
-              <a:buChar char=""/>
-              <a:tabLst>
-                <a:tab pos="457200" algn="l"/>
-              </a:tabLst>
-            </a:pPr>
-            <a:r>
-              <a:rPr lang="en-GB" sz="1800" dirty="0">
-                <a:effectLst/>
-                <a:latin typeface="Arial" panose="020B0604020202020204" pitchFamily="34" charset="0"/>
-                <a:ea typeface="Arial" panose="020B0604020202020204" pitchFamily="34" charset="0"/>
-              </a:rPr>
-              <a:t>Who will benefit from this system?</a:t>
-            </a:r>
-          </a:p>
-          <a:p>
-            <a:pPr>
-              <a:lnSpc>
-                <a:spcPct val="115000"/>
-              </a:lnSpc>
-              <a:buNone/>
-            </a:pPr>
-            <a:r>
-              <a:rPr lang="en-GB" sz="1800" dirty="0">
-                <a:effectLst/>
-                <a:latin typeface="Arial" panose="020B0604020202020204" pitchFamily="34" charset="0"/>
-                <a:ea typeface="Arial" panose="020B0604020202020204" pitchFamily="34" charset="0"/>
-              </a:rPr>
-              <a:t>2.  Show the key features of your system. Show it running. Show off the aspects you are most proud of.</a:t>
-            </a:r>
-          </a:p>
-          <a:p>
-            <a:pPr>
-              <a:lnSpc>
-                <a:spcPct val="115000"/>
-              </a:lnSpc>
-            </a:pPr>
-            <a:r>
-              <a:rPr lang="en-GB" sz="1800" dirty="0">
-                <a:effectLst/>
-                <a:latin typeface="Arial" panose="020B0604020202020204" pitchFamily="34" charset="0"/>
-                <a:ea typeface="Arial" panose="020B0604020202020204" pitchFamily="34" charset="0"/>
-              </a:rPr>
-              <a:t>3.  Whilst the video must be narrated by yourself, it is not essential for you to appear in the video.</a:t>
-            </a:r>
-          </a:p>
-          <a:p>
-            <a:endParaRPr lang="en-GB" dirty="0"/>
-          </a:p>
-        </p:txBody>
-      </p:sp>
+            <a:endParaRPr lang="en-GB"/>
+          </a:p>
+        </p:txBody>
+      </p:sp>
+      <p:pic>
+        <p:nvPicPr>
+          <p:cNvPr id="5" name="Picture 4">
+            <a:extLst>
+              <a:ext uri="{FF2B5EF4-FFF2-40B4-BE49-F238E27FC236}">
+                <a16:creationId xmlns:a16="http://schemas.microsoft.com/office/drawing/2014/main" id="{C5105A4D-BD64-CE96-D974-9F3AF566EAC9}"/>
+              </a:ext>
+            </a:extLst>
+          </p:cNvPr>
+          <p:cNvPicPr>
+            <a:picLocks noChangeAspect="1"/>
+          </p:cNvPicPr>
+          <p:nvPr/>
+        </p:nvPicPr>
+        <p:blipFill>
+          <a:blip r:embed="rId2"/>
+          <a:stretch>
+            <a:fillRect/>
+          </a:stretch>
+        </p:blipFill>
+        <p:spPr>
+          <a:xfrm>
+            <a:off x="265176" y="1491599"/>
+            <a:ext cx="12192000" cy="4258850"/>
+          </a:xfrm>
+          <a:prstGeom prst="rect">
+            <a:avLst/>
+          </a:prstGeom>
+        </p:spPr>
+      </p:pic>
     </p:spTree>
     <p:extLst>
       <p:ext uri="{BB962C8B-B14F-4D97-AF65-F5344CB8AC3E}">
-        <p14:creationId xmlns:p14="http://schemas.microsoft.com/office/powerpoint/2010/main" val="3569030090"/>
+        <p14:creationId xmlns:p14="http://schemas.microsoft.com/office/powerpoint/2010/main" val="4042814609"/>
       </p:ext>
     </p:extLst>
   </p:cSld>
@@ -3654,7 +3559,7 @@
           <p:cNvPr id="2" name="Title 1">
             <a:extLst>
               <a:ext uri="{FF2B5EF4-FFF2-40B4-BE49-F238E27FC236}">
-                <a16:creationId xmlns:a16="http://schemas.microsoft.com/office/drawing/2014/main" id="{942FE160-0C8F-656D-5E20-DC95B39D6B9F}"/>
+                <a16:creationId xmlns:a16="http://schemas.microsoft.com/office/drawing/2014/main" id="{DF09D088-ADAE-7D75-DF88-F6A31224D48E}"/>
               </a:ext>
             </a:extLst>
           </p:cNvPr>
@@ -3670,10 +3575,7 @@
           <a:bodyPr/>
           <a:lstStyle/>
           <a:p>
-            <a:r>
-              <a:rPr lang="en-GB" dirty="0"/>
-              <a:t>Run thro</a:t>
-            </a:r>
+            <a:endParaRPr lang="en-GB"/>
           </a:p>
         </p:txBody>
       </p:sp>
@@ -3682,7 +3584,7 @@
           <p:cNvPr id="3" name="Content Placeholder 2">
             <a:extLst>
               <a:ext uri="{FF2B5EF4-FFF2-40B4-BE49-F238E27FC236}">
-                <a16:creationId xmlns:a16="http://schemas.microsoft.com/office/drawing/2014/main" id="{33108EEA-1819-3638-D9F6-7F04818A622F}"/>
+                <a16:creationId xmlns:a16="http://schemas.microsoft.com/office/drawing/2014/main" id="{9D611A6A-3B09-9EFF-D6BB-2405B9E94BF9}"/>
               </a:ext>
             </a:extLst>
           </p:cNvPr>
@@ -3698,17 +3600,140 @@
           <a:bodyPr/>
           <a:lstStyle/>
           <a:p>
-            <a:r>
-              <a:rPr lang="en-GB" dirty="0"/>
-              <a:t>Maybe just film thro the whole game and cut up important pieces </a:t>
-            </a:r>
+            <a:pPr>
+              <a:lnSpc>
+                <a:spcPct val="115000"/>
+              </a:lnSpc>
+              <a:buNone/>
+            </a:pPr>
+            <a:r>
+              <a:rPr lang="en-GB" sz="1800" dirty="0">
+                <a:effectLst/>
+                <a:latin typeface="Arial" panose="020B0604020202020204" pitchFamily="34" charset="0"/>
+                <a:ea typeface="Arial" panose="020B0604020202020204" pitchFamily="34" charset="0"/>
+              </a:rPr>
+              <a:t> </a:t>
+            </a:r>
+          </a:p>
+          <a:p>
+            <a:pPr>
+              <a:lnSpc>
+                <a:spcPct val="115000"/>
+              </a:lnSpc>
+              <a:buNone/>
+            </a:pPr>
+            <a:r>
+              <a:rPr lang="en-GB" sz="1800" dirty="0">
+                <a:effectLst/>
+                <a:latin typeface="Arial" panose="020B0604020202020204" pitchFamily="34" charset="0"/>
+                <a:ea typeface="Arial" panose="020B0604020202020204" pitchFamily="34" charset="0"/>
+              </a:rPr>
+              <a:t>1.  The background to your project.  Explain to the viewer the context so they understand what you were aiming to achieve. Consider the following questions to help elaborate the background:</a:t>
+            </a:r>
+          </a:p>
+          <a:p>
+            <a:pPr marL="342900" lvl="0" indent="-342900">
+              <a:lnSpc>
+                <a:spcPct val="115000"/>
+              </a:lnSpc>
+              <a:buSzPts val="1000"/>
+              <a:buFont typeface="Symbol" panose="05050102010706020507" pitchFamily="18" charset="2"/>
+              <a:buChar char=""/>
+              <a:tabLst>
+                <a:tab pos="457200" algn="l"/>
+              </a:tabLst>
+            </a:pPr>
+            <a:r>
+              <a:rPr lang="en-GB" sz="1800" dirty="0">
+                <a:effectLst/>
+                <a:latin typeface="Arial" panose="020B0604020202020204" pitchFamily="34" charset="0"/>
+                <a:ea typeface="Arial" panose="020B0604020202020204" pitchFamily="34" charset="0"/>
+              </a:rPr>
+              <a:t>Why were you looking at this?</a:t>
+            </a:r>
+          </a:p>
+          <a:p>
+            <a:pPr marL="342900" lvl="0" indent="-342900">
+              <a:lnSpc>
+                <a:spcPct val="115000"/>
+              </a:lnSpc>
+              <a:buSzPts val="1000"/>
+              <a:buFont typeface="Symbol" panose="05050102010706020507" pitchFamily="18" charset="2"/>
+              <a:buChar char=""/>
+              <a:tabLst>
+                <a:tab pos="457200" algn="l"/>
+              </a:tabLst>
+            </a:pPr>
+            <a:r>
+              <a:rPr lang="en-GB" sz="1800" dirty="0">
+                <a:effectLst/>
+                <a:latin typeface="Arial" panose="020B0604020202020204" pitchFamily="34" charset="0"/>
+                <a:ea typeface="Arial" panose="020B0604020202020204" pitchFamily="34" charset="0"/>
+              </a:rPr>
+              <a:t>What were the issues that needed solving with software?</a:t>
+            </a:r>
+          </a:p>
+          <a:p>
+            <a:pPr marL="342900" lvl="0" indent="-342900">
+              <a:lnSpc>
+                <a:spcPct val="115000"/>
+              </a:lnSpc>
+              <a:buSzPts val="1000"/>
+              <a:buFont typeface="Symbol" panose="05050102010706020507" pitchFamily="18" charset="2"/>
+              <a:buChar char=""/>
+              <a:tabLst>
+                <a:tab pos="457200" algn="l"/>
+              </a:tabLst>
+            </a:pPr>
+            <a:r>
+              <a:rPr lang="en-GB" sz="1800" dirty="0">
+                <a:effectLst/>
+                <a:latin typeface="Arial" panose="020B0604020202020204" pitchFamily="34" charset="0"/>
+                <a:ea typeface="Arial" panose="020B0604020202020204" pitchFamily="34" charset="0"/>
+              </a:rPr>
+              <a:t>Who will benefit from this system?</a:t>
+            </a:r>
+          </a:p>
+          <a:p>
+            <a:pPr>
+              <a:lnSpc>
+                <a:spcPct val="115000"/>
+              </a:lnSpc>
+              <a:buNone/>
+            </a:pPr>
+            <a:r>
+              <a:rPr lang="en-GB" sz="1800" dirty="0">
+                <a:effectLst/>
+                <a:latin typeface="Arial" panose="020B0604020202020204" pitchFamily="34" charset="0"/>
+                <a:ea typeface="Arial" panose="020B0604020202020204" pitchFamily="34" charset="0"/>
+              </a:rPr>
+              <a:t>2.  Show the key features of your system. Show it running. Show off the aspects you are most proud of.</a:t>
+            </a:r>
+          </a:p>
+          <a:p>
+            <a:pPr>
+              <a:lnSpc>
+                <a:spcPct val="115000"/>
+              </a:lnSpc>
+            </a:pPr>
+            <a:r>
+              <a:rPr lang="en-GB" sz="1800" dirty="0">
+                <a:effectLst/>
+                <a:latin typeface="Arial" panose="020B0604020202020204" pitchFamily="34" charset="0"/>
+                <a:ea typeface="Arial" panose="020B0604020202020204" pitchFamily="34" charset="0"/>
+              </a:rPr>
+              <a:t>3.  Whilst the video must be narrated by yourself, it is not essential for you to appear in the video.</a:t>
+            </a:r>
+          </a:p>
+          <a:p>
+            <a:endParaRPr lang="en-GB" dirty="0"/>
           </a:p>
         </p:txBody>
       </p:sp>
     </p:spTree>
     <p:extLst>
       <p:ext uri="{BB962C8B-B14F-4D97-AF65-F5344CB8AC3E}">
-        <p14:creationId xmlns:p14="http://schemas.microsoft.com/office/powerpoint/2010/main" val="2435004387"/>
+        <p14:creationId xmlns:p14="http://schemas.microsoft.com/office/powerpoint/2010/main" val="3569030090"/>
       </p:ext>
     </p:extLst>
   </p:cSld>
@@ -3740,7 +3765,7 @@
           <p:cNvPr id="2" name="Title 1">
             <a:extLst>
               <a:ext uri="{FF2B5EF4-FFF2-40B4-BE49-F238E27FC236}">
-                <a16:creationId xmlns:a16="http://schemas.microsoft.com/office/drawing/2014/main" id="{112E6498-32D8-A35B-FA74-3DAF4C3C59DE}"/>
+                <a16:creationId xmlns:a16="http://schemas.microsoft.com/office/drawing/2014/main" id="{942FE160-0C8F-656D-5E20-DC95B39D6B9F}"/>
               </a:ext>
             </a:extLst>
           </p:cNvPr>
@@ -3758,7 +3783,7 @@
           <a:p>
             <a:r>
               <a:rPr lang="en-GB" dirty="0"/>
-              <a:t>Why I made this </a:t>
+              <a:t>Run thro</a:t>
             </a:r>
           </a:p>
         </p:txBody>
@@ -3768,7 +3793,7 @@
           <p:cNvPr id="3" name="Content Placeholder 2">
             <a:extLst>
               <a:ext uri="{FF2B5EF4-FFF2-40B4-BE49-F238E27FC236}">
-                <a16:creationId xmlns:a16="http://schemas.microsoft.com/office/drawing/2014/main" id="{590C01BB-7E5B-4E86-5D09-735974073DC3}"/>
+                <a16:creationId xmlns:a16="http://schemas.microsoft.com/office/drawing/2014/main" id="{33108EEA-1819-3638-D9F6-7F04818A622F}"/>
               </a:ext>
             </a:extLst>
           </p:cNvPr>
@@ -3784,14 +3809,49 @@
           <a:bodyPr/>
           <a:lstStyle/>
           <a:p>
-            <a:endParaRPr lang="en-GB"/>
+            <a:r>
+              <a:rPr lang="en-GB" dirty="0"/>
+              <a:t>Game can be downloaded from itch</a:t>
+            </a:r>
+          </a:p>
+          <a:p>
+            <a:r>
+              <a:rPr lang="en-GB" dirty="0"/>
+              <a:t>Launch </a:t>
+            </a:r>
+          </a:p>
+          <a:p>
+            <a:r>
+              <a:rPr lang="en-GB" dirty="0"/>
+              <a:t>Listen to </a:t>
+            </a:r>
+            <a:r>
+              <a:rPr lang="en-GB" dirty="0" err="1"/>
+              <a:t>cuscene</a:t>
+            </a:r>
+            <a:r>
+              <a:rPr lang="en-GB" dirty="0"/>
+              <a:t> </a:t>
+            </a:r>
+          </a:p>
+          <a:p>
+            <a:r>
+              <a:rPr lang="en-GB" dirty="0"/>
+              <a:t>Skip to 1-5 pick up part 1-5 end scene (SHOW OFF POWER UPS TOO)</a:t>
+            </a:r>
+          </a:p>
+          <a:p>
+            <a:r>
+              <a:rPr lang="en-GB" dirty="0"/>
+              <a:t>Maybe just film thro the whole game and cut up important pieces </a:t>
+            </a:r>
           </a:p>
         </p:txBody>
       </p:sp>
     </p:spTree>
     <p:extLst>
       <p:ext uri="{BB962C8B-B14F-4D97-AF65-F5344CB8AC3E}">
-        <p14:creationId xmlns:p14="http://schemas.microsoft.com/office/powerpoint/2010/main" val="2618199178"/>
+        <p14:creationId xmlns:p14="http://schemas.microsoft.com/office/powerpoint/2010/main" val="2435004387"/>
       </p:ext>
     </p:extLst>
   </p:cSld>
@@ -3823,6 +3883,89 @@
           <p:cNvPr id="2" name="Title 1">
             <a:extLst>
               <a:ext uri="{FF2B5EF4-FFF2-40B4-BE49-F238E27FC236}">
+                <a16:creationId xmlns:a16="http://schemas.microsoft.com/office/drawing/2014/main" id="{112E6498-32D8-A35B-FA74-3DAF4C3C59DE}"/>
+              </a:ext>
+            </a:extLst>
+          </p:cNvPr>
+          <p:cNvSpPr>
+            <a:spLocks noGrp="1"/>
+          </p:cNvSpPr>
+          <p:nvPr>
+            <p:ph type="title"/>
+          </p:nvPr>
+        </p:nvSpPr>
+        <p:spPr/>
+        <p:txBody>
+          <a:bodyPr/>
+          <a:lstStyle/>
+          <a:p>
+            <a:r>
+              <a:rPr lang="en-GB" dirty="0"/>
+              <a:t>Why I made this </a:t>
+            </a:r>
+          </a:p>
+        </p:txBody>
+      </p:sp>
+      <p:sp>
+        <p:nvSpPr>
+          <p:cNvPr id="3" name="Content Placeholder 2">
+            <a:extLst>
+              <a:ext uri="{FF2B5EF4-FFF2-40B4-BE49-F238E27FC236}">
+                <a16:creationId xmlns:a16="http://schemas.microsoft.com/office/drawing/2014/main" id="{590C01BB-7E5B-4E86-5D09-735974073DC3}"/>
+              </a:ext>
+            </a:extLst>
+          </p:cNvPr>
+          <p:cNvSpPr>
+            <a:spLocks noGrp="1"/>
+          </p:cNvSpPr>
+          <p:nvPr>
+            <p:ph idx="1"/>
+          </p:nvPr>
+        </p:nvSpPr>
+        <p:spPr/>
+        <p:txBody>
+          <a:bodyPr/>
+          <a:lstStyle/>
+          <a:p>
+            <a:endParaRPr lang="en-GB"/>
+          </a:p>
+        </p:txBody>
+      </p:sp>
+    </p:spTree>
+    <p:extLst>
+      <p:ext uri="{BB962C8B-B14F-4D97-AF65-F5344CB8AC3E}">
+        <p14:creationId xmlns:p14="http://schemas.microsoft.com/office/powerpoint/2010/main" val="2618199178"/>
+      </p:ext>
+    </p:extLst>
+  </p:cSld>
+  <p:clrMapOvr>
+    <a:masterClrMapping/>
+  </p:clrMapOvr>
+</p:sld>
+</file>
+
+<file path=ppt/slides/slide6.xml><?xml version="1.0" encoding="utf-8"?>
+<p:sld xmlns:a="http://schemas.openxmlformats.org/drawingml/2006/main" xmlns:r="http://schemas.openxmlformats.org/officeDocument/2006/relationships" xmlns:p="http://schemas.openxmlformats.org/presentationml/2006/main">
+  <p:cSld>
+    <p:spTree>
+      <p:nvGrpSpPr>
+        <p:cNvPr id="1" name=""/>
+        <p:cNvGrpSpPr/>
+        <p:nvPr/>
+      </p:nvGrpSpPr>
+      <p:grpSpPr>
+        <a:xfrm>
+          <a:off x="0" y="0"/>
+          <a:ext cx="0" cy="0"/>
+          <a:chOff x="0" y="0"/>
+          <a:chExt cx="0" cy="0"/>
+        </a:xfrm>
+      </p:grpSpPr>
+      <p:sp>
+        <p:nvSpPr>
+          <p:cNvPr id="2" name="Title 1">
+            <a:extLst>
+              <a:ext uri="{FF2B5EF4-FFF2-40B4-BE49-F238E27FC236}">
                 <a16:creationId xmlns:a16="http://schemas.microsoft.com/office/drawing/2014/main" id="{B634E806-0DF7-44B3-D5C0-6298CD5E71A9}"/>
               </a:ext>
             </a:extLst>
@@ -3897,7 +4040,7 @@
 </p:sld>
 </file>
 
-<file path=ppt/slides/slide6.xml><?xml version="1.0" encoding="utf-8"?>
+<file path=ppt/slides/slide7.xml><?xml version="1.0" encoding="utf-8"?>
 <p:sld xmlns:a="http://schemas.openxmlformats.org/drawingml/2006/main" xmlns:r="http://schemas.openxmlformats.org/officeDocument/2006/relationships" xmlns:p="http://schemas.openxmlformats.org/presentationml/2006/main">
   <p:cSld>
     <p:spTree>
